--- a/Uber_Fare_Analysis.pptx
+++ b/Uber_Fare_Analysis.pptx
@@ -6262,6 +6262,7 @@
           <a:lstStyle/>
           <a:p>
             <a:r>
+              <a:rPr dirty="0"/>
               <a:t>Uber Fares Analysis using Power BI</a:t>
             </a:r>
           </a:p>
@@ -6279,17 +6280,36 @@
         </p:nvSpPr>
         <p:spPr/>
         <p:txBody>
-          <a:bodyPr/>
-          <a:lstStyle/>
-          <a:p>
-            <a:r>
+          <a:bodyPr>
+            <a:noAutofit/>
+          </a:bodyPr>
+          <a:lstStyle/>
+          <a:p>
+            <a:r>
+              <a:rPr sz="1600" dirty="0"/>
               <a:t>AUCA – INSY 8413 – Big Data Analytics</a:t>
             </a:r>
           </a:p>
           <a:p>
             <a:r>
-              <a:t>Presented by: [Your Name]</a:t>
-            </a:r>
+              <a:rPr sz="1600" dirty="0"/>
+              <a:t>Presented by: </a:t>
+            </a:r>
+            <a:r>
+              <a:rPr lang="en-US" sz="1600" dirty="0" err="1" smtClean="0"/>
+              <a:t>Nziza</a:t>
+            </a:r>
+            <a:r>
+              <a:rPr lang="en-US" sz="1600" dirty="0" smtClean="0"/>
+              <a:t> Benjamin</a:t>
+            </a:r>
+          </a:p>
+          <a:p>
+            <a:r>
+              <a:rPr lang="en-US" sz="1600" dirty="0" smtClean="0"/>
+              <a:t>ID: 26240</a:t>
+            </a:r>
+            <a:endParaRPr sz="1600" dirty="0"/>
           </a:p>
         </p:txBody>
       </p:sp>

--- a/Uber_Fare_Analysis.pptx
+++ b/Uber_Fare_Analysis.pptx
@@ -6296,12 +6296,12 @@
               <a:t>Presented by: </a:t>
             </a:r>
             <a:r>
-              <a:rPr lang="en-US" sz="1600" dirty="0" err="1" smtClean="0"/>
-              <a:t>Nziza</a:t>
+              <a:rPr lang="en-US" sz="1600" smtClean="0"/>
+              <a:t>NzizA </a:t>
             </a:r>
             <a:r>
               <a:rPr lang="en-US" sz="1600" dirty="0" smtClean="0"/>
-              <a:t> Benjamin</a:t>
+              <a:t>Benjamin</a:t>
             </a:r>
           </a:p>
           <a:p>
